--- a/presentations/5-Spring_Data_REST.pptx
+++ b/presentations/5-Spring_Data_REST.pptx
@@ -245,7 +245,7 @@
           <a:p>
             <a:fld id="{8B8A6F38-38DF-DE40-AB66-462ED217F8DB}" type="datetimeFigureOut">
               <a:rPr lang="en-US" smtClean="0"/>
-              <a:t>5/24/17</a:t>
+              <a:t>5/25/17</a:t>
             </a:fld>
             <a:endParaRPr lang="en-US"/>
           </a:p>
@@ -411,7 +411,7 @@
           <a:p>
             <a:fld id="{B72AF78E-2479-8240-A539-D96ACB7BCA91}" type="datetimeFigureOut">
               <a:rPr lang="en-US" smtClean="0"/>
-              <a:t>5/24/17</a:t>
+              <a:t>5/25/17</a:t>
             </a:fld>
             <a:endParaRPr lang="en-US"/>
           </a:p>
@@ -5006,6 +5006,30 @@
           <a:xfrm>
             <a:off x="8272780" y="4855076"/>
             <a:ext cx="731520" cy="171298"/>
+          </a:xfrm>
+          <a:prstGeom prst="rect">
+            <a:avLst/>
+          </a:prstGeom>
+        </p:spPr>
+      </p:pic>
+      <p:pic>
+        <p:nvPicPr>
+          <p:cNvPr id="9" name="Picture 8"/>
+          <p:cNvPicPr>
+            <a:picLocks noChangeAspect="1"/>
+          </p:cNvPicPr>
+          <p:nvPr/>
+        </p:nvPicPr>
+        <p:blipFill>
+          <a:blip r:embed="rId7"/>
+          <a:stretch>
+            <a:fillRect/>
+          </a:stretch>
+        </p:blipFill>
+        <p:spPr>
+          <a:xfrm>
+            <a:off x="192404" y="4689352"/>
+            <a:ext cx="1604131" cy="331448"/>
           </a:xfrm>
           <a:prstGeom prst="rect">
             <a:avLst/>
